--- a/text/9.chapter11.pptx
+++ b/text/9.chapter11.pptx
@@ -1824,7 +1824,7 @@
           <a:graphicData uri="http://schemas.openxmlformats.org/presentationml/2006/ole">
             <mc:AlternateContent xmlns:mc="http://schemas.openxmlformats.org/markup-compatibility/2006">
               <mc:Choice xmlns:v="urn:schemas-microsoft-com:vml" Requires="v">
-                <p:oleObj spid="_x0000_s224518" name="Image" r:id="rId3" imgW="12190476" imgH="431594" progId="">
+                <p:oleObj spid="_x0000_s224520" name="Image" r:id="rId3" imgW="12190476" imgH="431594" progId="">
                   <p:embed/>
                 </p:oleObj>
               </mc:Choice>
@@ -9111,15 +9111,15 @@
             </a:pPr>
             <a:r>
               <a:rPr lang="ja-JP" altLang="en-US" sz="1800" dirty="0" smtClean="0"/>
-              <a:t>キャッシュコントローラは通常，ライン中のクリティカルワード（プロセッサから要求されたデータ）を最初</a:t>
-            </a:r>
-            <a:r>
-              <a:rPr lang="ja-JP" altLang="en-US" sz="1800" dirty="0" err="1" smtClean="0"/>
-              <a:t>い</a:t>
+              <a:t>キャッシュコントローラは通常，ライン中のクリティカルワード（プロセッサから要求されたデータ）を</a:t>
             </a:r>
             <a:r>
               <a:rPr lang="ja-JP" altLang="en-US" sz="1800" dirty="0" smtClean="0"/>
-              <a:t>取得する．</a:t>
+              <a:t>最初に取得</a:t>
+            </a:r>
+            <a:r>
+              <a:rPr lang="ja-JP" altLang="en-US" sz="1800" dirty="0" smtClean="0"/>
+              <a:t>する．</a:t>
             </a:r>
             <a:endParaRPr lang="en-US" altLang="ja-JP" sz="1800" dirty="0" smtClean="0"/>
           </a:p>
@@ -10178,7 +10178,11 @@
             <a:pPr lvl="1"/>
             <a:r>
               <a:rPr lang="ja-JP" altLang="en-US" sz="1800" dirty="0" smtClean="0"/>
-              <a:t>典型的には，メイン外部システムメモリである（正しくはキャッシュだと思われる）</a:t>
+              <a:t>典型的には，メイン外部システムメモリで</a:t>
+            </a:r>
+            <a:r>
+              <a:rPr lang="ja-JP" altLang="en-US" sz="1800" dirty="0" smtClean="0"/>
+              <a:t>ある</a:t>
             </a:r>
             <a:endParaRPr lang="en-US" altLang="ja-JP" sz="1800" dirty="0" smtClean="0"/>
           </a:p>
@@ -11129,7 +11133,23 @@
           <a:p>
             <a:r>
               <a:rPr kumimoji="1" lang="ja-JP" altLang="en-US" dirty="0" smtClean="0"/>
-              <a:t>時代と共にコアのスピードは向上したが，バスやメモリは同じようには向上しなかった．</a:t>
+              <a:t>時代と共にコアのスピードは向上したが，バスや</a:t>
+            </a:r>
+            <a:r>
+              <a:rPr kumimoji="1" lang="ja-JP" altLang="en-US" dirty="0" smtClean="0"/>
+              <a:t>メモリ</a:t>
+            </a:r>
+            <a:r>
+              <a:rPr kumimoji="1" lang="en-US" altLang="ja-JP" dirty="0" smtClean="0"/>
+              <a:t>(DRAM)</a:t>
+            </a:r>
+            <a:r>
+              <a:rPr kumimoji="1" lang="ja-JP" altLang="en-US" dirty="0" smtClean="0"/>
+              <a:t>は</a:t>
+            </a:r>
+            <a:r>
+              <a:rPr kumimoji="1" lang="ja-JP" altLang="en-US" dirty="0" smtClean="0"/>
+              <a:t>同じようには向上しなかった．</a:t>
             </a:r>
             <a:endParaRPr kumimoji="1" lang="en-US" altLang="ja-JP" dirty="0" smtClean="0"/>
           </a:p>
@@ -11163,15 +11183,15 @@
             </a:r>
             <a:r>
               <a:rPr kumimoji="1" lang="ja-JP" altLang="en-US" dirty="0" smtClean="0"/>
-              <a:t>システムでは，外部メモリへのアクセスはコアの実行サイクル</a:t>
-            </a:r>
-            <a:r>
-              <a:rPr kumimoji="1" lang="ja-JP" altLang="en-US" dirty="0" err="1" smtClean="0"/>
-              <a:t>い換</a:t>
+              <a:t>システムでは，外部メモリへのアクセスはコアの実行</a:t>
             </a:r>
             <a:r>
               <a:rPr kumimoji="1" lang="ja-JP" altLang="en-US" dirty="0" smtClean="0"/>
-              <a:t>算して</a:t>
+              <a:t>サイクルに換算</a:t>
+            </a:r>
+            <a:r>
+              <a:rPr kumimoji="1" lang="ja-JP" altLang="en-US" dirty="0" smtClean="0"/>
+              <a:t>して</a:t>
             </a:r>
             <a:r>
               <a:rPr kumimoji="1" lang="en-US" altLang="ja-JP" dirty="0" smtClean="0"/>
@@ -11197,18 +11217,46 @@
           <a:p>
             <a:r>
               <a:rPr kumimoji="1" lang="ja-JP" altLang="en-US" dirty="0" smtClean="0"/>
-              <a:t>そのため，コアに直結されたキャッシュが使用されている</a:t>
+              <a:t>そのため，コアに直結された</a:t>
+            </a:r>
+            <a:r>
+              <a:rPr kumimoji="1" lang="ja-JP" altLang="en-US" dirty="0" smtClean="0"/>
+              <a:t>キャッシュメモリが</a:t>
+            </a:r>
+            <a:r>
+              <a:rPr kumimoji="1" lang="ja-JP" altLang="en-US" dirty="0" smtClean="0"/>
+              <a:t>使用されている</a:t>
             </a:r>
             <a:endParaRPr kumimoji="1" lang="en-US" altLang="ja-JP" dirty="0" smtClean="0"/>
           </a:p>
           <a:p>
             <a:r>
+              <a:rPr lang="ja-JP" altLang="en-US" dirty="0" smtClean="0"/>
+              <a:t>キャッシュメモリ</a:t>
+            </a:r>
+            <a:r>
+              <a:rPr lang="en-US" altLang="ja-JP" dirty="0" smtClean="0"/>
+              <a:t>(SRAM)</a:t>
+            </a:r>
+            <a:r>
+              <a:rPr lang="ja-JP" altLang="en-US" dirty="0" smtClean="0"/>
+              <a:t>は</a:t>
+            </a:r>
+            <a:r>
+              <a:rPr kumimoji="1" lang="ja-JP" altLang="en-US" dirty="0" smtClean="0"/>
+              <a:t>メインメモリ</a:t>
+            </a:r>
+            <a:r>
               <a:rPr kumimoji="1" lang="en-US" altLang="ja-JP" dirty="0" smtClean="0"/>
-              <a:t>cache</a:t>
+              <a:t>(DRAM)</a:t>
             </a:r>
             <a:r>
               <a:rPr kumimoji="1" lang="ja-JP" altLang="en-US" dirty="0" smtClean="0"/>
-              <a:t>はメインメモリより高速にアクセスが可能である</a:t>
+              <a:t>より</a:t>
+            </a:r>
+            <a:r>
+              <a:rPr kumimoji="1" lang="ja-JP" altLang="en-US" dirty="0" smtClean="0"/>
+              <a:t>高速にアクセスが可能である</a:t>
             </a:r>
             <a:endParaRPr kumimoji="1" lang="en-US" altLang="ja-JP" dirty="0" smtClean="0"/>
           </a:p>
@@ -12978,11 +13026,7 @@
             </a:r>
             <a:r>
               <a:rPr lang="en-US" altLang="ja-JP" dirty="0"/>
-              <a:t>(CTR_EL0)</a:t>
-            </a:r>
-            <a:r>
-              <a:rPr lang="en-US" altLang="ja-JP" dirty="0"/>
-              <a:t> </a:t>
+              <a:t>(CTR_EL0) </a:t>
             </a:r>
             <a:endParaRPr lang="en-US" altLang="ja-JP" dirty="0" smtClean="0"/>
           </a:p>
@@ -12990,12 +13034,12 @@
             <a:pPr lvl="2"/>
             <a:r>
               <a:rPr lang="ja-JP" altLang="en-US" dirty="0" smtClean="0"/>
-              <a:t>キャッシュラインサイズを取得可能</a:t>
-            </a:r>
-            <a:endParaRPr lang="en-US" altLang="ja-JP" smtClean="0"/>
-          </a:p>
-          <a:p>
-            <a:pPr lvl="1"/>
+              <a:t>キャッシュラインサイズを取得</a:t>
+            </a:r>
+            <a:r>
+              <a:rPr lang="ja-JP" altLang="en-US" dirty="0" smtClean="0"/>
+              <a:t>可能</a:t>
+            </a:r>
             <a:r>
               <a:rPr lang="en-US" altLang="ja-JP" dirty="0"/>
               <a:t/>
@@ -13196,11 +13240,11 @@
             <a:pPr lvl="1"/>
             <a:r>
               <a:rPr lang="ja-JP" altLang="en-US" sz="1800" dirty="0" smtClean="0"/>
-              <a:t>キャッシュのデータ</a:t>
-            </a:r>
-            <a:r>
-              <a:rPr lang="ja-JP" altLang="en-US" sz="1800" dirty="0" err="1" smtClean="0"/>
-              <a:t>っは</a:t>
+              <a:t>キャッシュの</a:t>
+            </a:r>
+            <a:r>
+              <a:rPr lang="ja-JP" altLang="en-US" sz="1800" dirty="0" smtClean="0"/>
+              <a:t>データは</a:t>
             </a:r>
             <a:r>
               <a:rPr lang="ja-JP" altLang="en-US" sz="1800" dirty="0" smtClean="0"/>
@@ -14436,11 +14480,12 @@
             </a:r>
             <a:r>
               <a:rPr lang="ja-JP" altLang="en-US" sz="1800" dirty="0" smtClean="0"/>
-              <a:t>の例</a:t>
-            </a:r>
-            <a:endParaRPr lang="en-US" altLang="ja-JP" sz="1800" dirty="0" smtClean="0"/>
-          </a:p>
-          <a:p>
+              <a:t>の</a:t>
+            </a:r>
+            <a:r>
+              <a:rPr lang="ja-JP" altLang="en-US" sz="1800" dirty="0" smtClean="0"/>
+              <a:t>例</a:t>
+            </a:r>
             <a:endParaRPr kumimoji="1" lang="en-US" altLang="ja-JP" dirty="0" smtClean="0"/>
           </a:p>
           <a:p>
@@ -14915,11 +14960,7 @@
             </a:r>
             <a:r>
               <a:rPr kumimoji="1" lang="ja-JP" altLang="en-US" dirty="0" smtClean="0"/>
-              <a:t>や他のクラスター</a:t>
-            </a:r>
-            <a:r>
-              <a:rPr kumimoji="1" lang="ja-JP" altLang="en-US" dirty="0" smtClean="0"/>
-              <a:t>の</a:t>
+              <a:t>や他のクラスターの</a:t>
             </a:r>
             <a:r>
               <a:rPr kumimoji="1" lang="en-US" altLang="ja-JP" dirty="0" smtClean="0"/>
@@ -14951,11 +14992,7 @@
             </a:r>
             <a:r>
               <a:rPr kumimoji="1" lang="ja-JP" altLang="en-US" dirty="0" smtClean="0"/>
-              <a:t>は</a:t>
-            </a:r>
-            <a:r>
-              <a:rPr kumimoji="1" lang="ja-JP" altLang="en-US" dirty="0" smtClean="0"/>
-              <a:t>考えない</a:t>
+              <a:t>は考えない</a:t>
             </a:r>
             <a:endParaRPr kumimoji="1" lang="en-US" altLang="ja-JP" dirty="0" smtClean="0"/>
           </a:p>
